--- a/MEMORIA PARCIAL/PM06.PPTX
+++ b/MEMORIA PARCIAL/PM06.PPTX
@@ -9377,7 +9377,7 @@
       <dsp:spPr>
         <a:xfrm>
           <a:off x="1407946" y="0"/>
-          <a:ext cx="3929582" cy="3472160"/>
+          <a:ext cx="3929582" cy="3472159"/>
         </a:xfrm>
         <a:prstGeom prst="triangle">
           <a:avLst/>
@@ -16977,7 +16977,7 @@
             <a:fld id="{D247D143-0708-4A9C-8FA7-4C01CA97F08A}" type="datetimeFigureOut">
               <a:rPr lang="es-PE" smtClean="0"/>
               <a:pPr/>
-              <a:t>26/04/2011</a:t>
+              <a:t>27/04/2011</a:t>
             </a:fld>
             <a:endParaRPr lang="es-PE"/>
           </a:p>
@@ -17512,7 +17512,7 @@
             <a:fld id="{BD75BDA0-3A4D-4BFC-A8D8-AC24E94DD2C6}" type="datetimeFigureOut">
               <a:rPr lang="es-PE" smtClean="0"/>
               <a:pPr/>
-              <a:t>26/04/2011</a:t>
+              <a:t>27/04/2011</a:t>
             </a:fld>
             <a:endParaRPr lang="es-PE"/>
           </a:p>
@@ -17679,7 +17679,7 @@
             <a:fld id="{BD75BDA0-3A4D-4BFC-A8D8-AC24E94DD2C6}" type="datetimeFigureOut">
               <a:rPr lang="es-PE" smtClean="0"/>
               <a:pPr/>
-              <a:t>26/04/2011</a:t>
+              <a:t>27/04/2011</a:t>
             </a:fld>
             <a:endParaRPr lang="es-PE"/>
           </a:p>
@@ -17856,7 +17856,7 @@
             <a:fld id="{BD75BDA0-3A4D-4BFC-A8D8-AC24E94DD2C6}" type="datetimeFigureOut">
               <a:rPr lang="es-PE" smtClean="0"/>
               <a:pPr/>
-              <a:t>26/04/2011</a:t>
+              <a:t>27/04/2011</a:t>
             </a:fld>
             <a:endParaRPr lang="es-PE"/>
           </a:p>
@@ -18023,7 +18023,7 @@
             <a:fld id="{BD75BDA0-3A4D-4BFC-A8D8-AC24E94DD2C6}" type="datetimeFigureOut">
               <a:rPr lang="es-PE" smtClean="0"/>
               <a:pPr/>
-              <a:t>26/04/2011</a:t>
+              <a:t>27/04/2011</a:t>
             </a:fld>
             <a:endParaRPr lang="es-PE"/>
           </a:p>
@@ -18266,7 +18266,7 @@
             <a:fld id="{BD75BDA0-3A4D-4BFC-A8D8-AC24E94DD2C6}" type="datetimeFigureOut">
               <a:rPr lang="es-PE" smtClean="0"/>
               <a:pPr/>
-              <a:t>26/04/2011</a:t>
+              <a:t>27/04/2011</a:t>
             </a:fld>
             <a:endParaRPr lang="es-PE"/>
           </a:p>
@@ -18551,7 +18551,7 @@
             <a:fld id="{BD75BDA0-3A4D-4BFC-A8D8-AC24E94DD2C6}" type="datetimeFigureOut">
               <a:rPr lang="es-PE" smtClean="0"/>
               <a:pPr/>
-              <a:t>26/04/2011</a:t>
+              <a:t>27/04/2011</a:t>
             </a:fld>
             <a:endParaRPr lang="es-PE"/>
           </a:p>
@@ -18970,7 +18970,7 @@
             <a:fld id="{BD75BDA0-3A4D-4BFC-A8D8-AC24E94DD2C6}" type="datetimeFigureOut">
               <a:rPr lang="es-PE" smtClean="0"/>
               <a:pPr/>
-              <a:t>26/04/2011</a:t>
+              <a:t>27/04/2011</a:t>
             </a:fld>
             <a:endParaRPr lang="es-PE"/>
           </a:p>
@@ -19085,7 +19085,7 @@
             <a:fld id="{BD75BDA0-3A4D-4BFC-A8D8-AC24E94DD2C6}" type="datetimeFigureOut">
               <a:rPr lang="es-PE" smtClean="0"/>
               <a:pPr/>
-              <a:t>26/04/2011</a:t>
+              <a:t>27/04/2011</a:t>
             </a:fld>
             <a:endParaRPr lang="es-PE"/>
           </a:p>
@@ -19177,7 +19177,7 @@
             <a:fld id="{BD75BDA0-3A4D-4BFC-A8D8-AC24E94DD2C6}" type="datetimeFigureOut">
               <a:rPr lang="es-PE" smtClean="0"/>
               <a:pPr/>
-              <a:t>26/04/2011</a:t>
+              <a:t>27/04/2011</a:t>
             </a:fld>
             <a:endParaRPr lang="es-PE"/>
           </a:p>
@@ -19451,7 +19451,7 @@
             <a:fld id="{BD75BDA0-3A4D-4BFC-A8D8-AC24E94DD2C6}" type="datetimeFigureOut">
               <a:rPr lang="es-PE" smtClean="0"/>
               <a:pPr/>
-              <a:t>26/04/2011</a:t>
+              <a:t>27/04/2011</a:t>
             </a:fld>
             <a:endParaRPr lang="es-PE"/>
           </a:p>
@@ -19701,7 +19701,7 @@
             <a:fld id="{BD75BDA0-3A4D-4BFC-A8D8-AC24E94DD2C6}" type="datetimeFigureOut">
               <a:rPr lang="es-PE" smtClean="0"/>
               <a:pPr/>
-              <a:t>26/04/2011</a:t>
+              <a:t>27/04/2011</a:t>
             </a:fld>
             <a:endParaRPr lang="es-PE"/>
           </a:p>
@@ -19911,7 +19911,7 @@
             <a:fld id="{BD75BDA0-3A4D-4BFC-A8D8-AC24E94DD2C6}" type="datetimeFigureOut">
               <a:rPr lang="es-PE" smtClean="0"/>
               <a:pPr/>
-              <a:t>26/04/2011</a:t>
+              <a:t>27/04/2011</a:t>
             </a:fld>
             <a:endParaRPr lang="es-PE"/>
           </a:p>
@@ -21187,13 +21187,13 @@
         </p:spPr>
         <p:style>
           <a:lnRef idx="0">
-            <a:schemeClr val="accent3"/>
+            <a:schemeClr val="accent4"/>
           </a:lnRef>
           <a:fillRef idx="3">
-            <a:schemeClr val="accent3"/>
+            <a:schemeClr val="accent4"/>
           </a:fillRef>
           <a:effectRef idx="3">
-            <a:schemeClr val="accent3"/>
+            <a:schemeClr val="accent4"/>
           </a:effectRef>
           <a:fontRef idx="minor">
             <a:schemeClr val="lt1"/>
@@ -21415,13 +21415,13 @@
         </p:spPr>
         <p:style>
           <a:lnRef idx="0">
-            <a:schemeClr val="accent3"/>
+            <a:schemeClr val="accent4"/>
           </a:lnRef>
           <a:fillRef idx="3">
-            <a:schemeClr val="accent3"/>
+            <a:schemeClr val="accent4"/>
           </a:fillRef>
           <a:effectRef idx="3">
-            <a:schemeClr val="accent3"/>
+            <a:schemeClr val="accent4"/>
           </a:effectRef>
           <a:fontRef idx="minor">
             <a:schemeClr val="lt1"/>
@@ -21644,13 +21644,13 @@
         </p:spPr>
         <p:style>
           <a:lnRef idx="0">
-            <a:schemeClr val="accent3"/>
+            <a:schemeClr val="accent4"/>
           </a:lnRef>
           <a:fillRef idx="3">
-            <a:schemeClr val="accent3"/>
+            <a:schemeClr val="accent4"/>
           </a:fillRef>
           <a:effectRef idx="3">
-            <a:schemeClr val="accent3"/>
+            <a:schemeClr val="accent4"/>
           </a:effectRef>
           <a:fontRef idx="minor">
             <a:schemeClr val="lt1"/>
@@ -21738,6 +21738,352 @@
           <a:p>
             <a:pPr algn="ctr"/>
             <a:endParaRPr lang="es-PE"/>
+          </a:p>
+        </p:txBody>
+      </p:sp>
+      <p:sp>
+        <p:nvSpPr>
+          <p:cNvPr id="2" name="1 CuadroTexto"/>
+          <p:cNvSpPr txBox="1"/>
+          <p:nvPr/>
+        </p:nvSpPr>
+        <p:spPr>
+          <a:xfrm>
+            <a:off x="4528811" y="5210616"/>
+            <a:ext cx="2520280" cy="738664"/>
+          </a:xfrm>
+          <a:prstGeom prst="rect">
+            <a:avLst/>
+          </a:prstGeom>
+          <a:noFill/>
+        </p:spPr>
+        <p:txBody>
+          <a:bodyPr wrap="square" rtlCol="0">
+            <a:spAutoFit/>
+          </a:bodyPr>
+          <a:lstStyle/>
+          <a:p>
+            <a:r>
+              <a:rPr lang="es-PE" sz="1400" dirty="0" smtClean="0"/>
+              <a:t>Impacto alto</a:t>
+            </a:r>
+          </a:p>
+          <a:p>
+            <a:r>
+              <a:rPr lang="es-PE" sz="1400" dirty="0" smtClean="0"/>
+              <a:t>Impacto medio</a:t>
+            </a:r>
+          </a:p>
+          <a:p>
+            <a:r>
+              <a:rPr lang="es-PE" sz="1400" dirty="0" smtClean="0"/>
+              <a:t>Impacto bajo</a:t>
+            </a:r>
+          </a:p>
+        </p:txBody>
+      </p:sp>
+      <p:sp>
+        <p:nvSpPr>
+          <p:cNvPr id="25" name="24 Elipse"/>
+          <p:cNvSpPr/>
+          <p:nvPr/>
+        </p:nvSpPr>
+        <p:spPr>
+          <a:xfrm>
+            <a:off x="4175056" y="5197906"/>
+            <a:ext cx="216024" cy="216024"/>
+          </a:xfrm>
+          <a:prstGeom prst="ellipse">
+            <a:avLst/>
+          </a:prstGeom>
+        </p:spPr>
+        <p:style>
+          <a:lnRef idx="0">
+            <a:schemeClr val="accent2"/>
+          </a:lnRef>
+          <a:fillRef idx="3">
+            <a:schemeClr val="accent2"/>
+          </a:fillRef>
+          <a:effectRef idx="3">
+            <a:schemeClr val="accent2"/>
+          </a:effectRef>
+          <a:fontRef idx="minor">
+            <a:schemeClr val="lt1"/>
+          </a:fontRef>
+        </p:style>
+        <p:txBody>
+          <a:bodyPr rtlCol="0" anchor="ctr"/>
+          <a:lstStyle/>
+          <a:p>
+            <a:pPr algn="ctr"/>
+            <a:endParaRPr lang="es-PE"/>
+          </a:p>
+        </p:txBody>
+      </p:sp>
+      <p:sp>
+        <p:nvSpPr>
+          <p:cNvPr id="27" name="26 CuadroTexto"/>
+          <p:cNvSpPr txBox="1"/>
+          <p:nvPr/>
+        </p:nvSpPr>
+        <p:spPr>
+          <a:xfrm>
+            <a:off x="7236296" y="5229200"/>
+            <a:ext cx="2520280" cy="523220"/>
+          </a:xfrm>
+          <a:prstGeom prst="rect">
+            <a:avLst/>
+          </a:prstGeom>
+          <a:noFill/>
+        </p:spPr>
+        <p:txBody>
+          <a:bodyPr wrap="square" rtlCol="0">
+            <a:spAutoFit/>
+          </a:bodyPr>
+          <a:lstStyle/>
+          <a:p>
+            <a:r>
+              <a:rPr lang="es-PE" sz="1400" dirty="0" smtClean="0"/>
+              <a:t>No ocurrido</a:t>
+            </a:r>
+          </a:p>
+          <a:p>
+            <a:r>
+              <a:rPr lang="es-PE" sz="1400" dirty="0" smtClean="0"/>
+              <a:t>Ocurrido</a:t>
+            </a:r>
+          </a:p>
+        </p:txBody>
+      </p:sp>
+      <p:sp>
+        <p:nvSpPr>
+          <p:cNvPr id="28" name="27 Elipse"/>
+          <p:cNvSpPr/>
+          <p:nvPr/>
+        </p:nvSpPr>
+        <p:spPr>
+          <a:xfrm>
+            <a:off x="4175056" y="5459226"/>
+            <a:ext cx="216024" cy="216024"/>
+          </a:xfrm>
+          <a:prstGeom prst="ellipse">
+            <a:avLst/>
+          </a:prstGeom>
+        </p:spPr>
+        <p:style>
+          <a:lnRef idx="0">
+            <a:schemeClr val="accent6"/>
+          </a:lnRef>
+          <a:fillRef idx="3">
+            <a:schemeClr val="accent6"/>
+          </a:fillRef>
+          <a:effectRef idx="3">
+            <a:schemeClr val="accent6"/>
+          </a:effectRef>
+          <a:fontRef idx="minor">
+            <a:schemeClr val="lt1"/>
+          </a:fontRef>
+        </p:style>
+        <p:txBody>
+          <a:bodyPr rtlCol="0" anchor="ctr"/>
+          <a:lstStyle/>
+          <a:p>
+            <a:pPr algn="ctr"/>
+            <a:endParaRPr lang="es-PE"/>
+          </a:p>
+        </p:txBody>
+      </p:sp>
+      <p:sp>
+        <p:nvSpPr>
+          <p:cNvPr id="38" name="37 Elipse"/>
+          <p:cNvSpPr/>
+          <p:nvPr/>
+        </p:nvSpPr>
+        <p:spPr>
+          <a:xfrm>
+            <a:off x="6999037" y="5270318"/>
+            <a:ext cx="216024" cy="216024"/>
+          </a:xfrm>
+          <a:prstGeom prst="ellipse">
+            <a:avLst/>
+          </a:prstGeom>
+        </p:spPr>
+        <p:style>
+          <a:lnRef idx="0">
+            <a:schemeClr val="accent4"/>
+          </a:lnRef>
+          <a:fillRef idx="3">
+            <a:schemeClr val="accent4"/>
+          </a:fillRef>
+          <a:effectRef idx="3">
+            <a:schemeClr val="accent4"/>
+          </a:effectRef>
+          <a:fontRef idx="minor">
+            <a:schemeClr val="lt1"/>
+          </a:fontRef>
+        </p:style>
+        <p:txBody>
+          <a:bodyPr rtlCol="0" anchor="ctr"/>
+          <a:lstStyle/>
+          <a:p>
+            <a:pPr algn="ctr"/>
+            <a:endParaRPr lang="es-PE"/>
+          </a:p>
+        </p:txBody>
+      </p:sp>
+      <p:sp>
+        <p:nvSpPr>
+          <p:cNvPr id="39" name="38 Elipse"/>
+          <p:cNvSpPr/>
+          <p:nvPr/>
+        </p:nvSpPr>
+        <p:spPr>
+          <a:xfrm>
+            <a:off x="6999037" y="5531928"/>
+            <a:ext cx="216024" cy="216024"/>
+          </a:xfrm>
+          <a:prstGeom prst="ellipse">
+            <a:avLst/>
+          </a:prstGeom>
+        </p:spPr>
+        <p:style>
+          <a:lnRef idx="0">
+            <a:schemeClr val="accent3"/>
+          </a:lnRef>
+          <a:fillRef idx="3">
+            <a:schemeClr val="accent3"/>
+          </a:fillRef>
+          <a:effectRef idx="3">
+            <a:schemeClr val="accent3"/>
+          </a:effectRef>
+          <a:fontRef idx="minor">
+            <a:schemeClr val="lt1"/>
+          </a:fontRef>
+        </p:style>
+        <p:txBody>
+          <a:bodyPr rtlCol="0" anchor="ctr"/>
+          <a:lstStyle/>
+          <a:p>
+            <a:pPr algn="ctr"/>
+            <a:endParaRPr lang="es-PE"/>
+          </a:p>
+        </p:txBody>
+      </p:sp>
+      <p:sp>
+        <p:nvSpPr>
+          <p:cNvPr id="40" name="39 Elipse"/>
+          <p:cNvSpPr/>
+          <p:nvPr/>
+        </p:nvSpPr>
+        <p:spPr>
+          <a:xfrm>
+            <a:off x="4178423" y="5733256"/>
+            <a:ext cx="216024" cy="216024"/>
+          </a:xfrm>
+          <a:prstGeom prst="ellipse">
+            <a:avLst/>
+          </a:prstGeom>
+        </p:spPr>
+        <p:style>
+          <a:lnRef idx="0">
+            <a:schemeClr val="accent1"/>
+          </a:lnRef>
+          <a:fillRef idx="3">
+            <a:schemeClr val="accent1"/>
+          </a:fillRef>
+          <a:effectRef idx="3">
+            <a:schemeClr val="accent1"/>
+          </a:effectRef>
+          <a:fontRef idx="minor">
+            <a:schemeClr val="lt1"/>
+          </a:fontRef>
+        </p:style>
+        <p:txBody>
+          <a:bodyPr rtlCol="0" anchor="ctr"/>
+          <a:lstStyle/>
+          <a:p>
+            <a:pPr algn="ctr"/>
+            <a:endParaRPr lang="es-PE"/>
+          </a:p>
+        </p:txBody>
+      </p:sp>
+      <p:sp>
+        <p:nvSpPr>
+          <p:cNvPr id="41" name="40 Rectángulo redondeado"/>
+          <p:cNvSpPr/>
+          <p:nvPr/>
+        </p:nvSpPr>
+        <p:spPr>
+          <a:xfrm>
+            <a:off x="3995936" y="5085184"/>
+            <a:ext cx="4410427" cy="1034824"/>
+          </a:xfrm>
+          <a:prstGeom prst="roundRect">
+            <a:avLst/>
+          </a:prstGeom>
+          <a:noFill/>
+          <a:ln/>
+        </p:spPr>
+        <p:style>
+          <a:lnRef idx="2">
+            <a:schemeClr val="accent1"/>
+          </a:lnRef>
+          <a:fillRef idx="1">
+            <a:schemeClr val="lt1"/>
+          </a:fillRef>
+          <a:effectRef idx="0">
+            <a:schemeClr val="accent1"/>
+          </a:effectRef>
+          <a:fontRef idx="minor">
+            <a:schemeClr val="dk1"/>
+          </a:fontRef>
+        </p:style>
+        <p:txBody>
+          <a:bodyPr rtlCol="0" anchor="ctr"/>
+          <a:lstStyle/>
+          <a:p>
+            <a:pPr algn="ctr"/>
+            <a:endParaRPr lang="es-PE"/>
+          </a:p>
+        </p:txBody>
+      </p:sp>
+      <p:sp>
+        <p:nvSpPr>
+          <p:cNvPr id="42" name="41 CuadroTexto"/>
+          <p:cNvSpPr txBox="1"/>
+          <p:nvPr/>
+        </p:nvSpPr>
+        <p:spPr>
+          <a:xfrm>
+            <a:off x="2968985" y="5495230"/>
+            <a:ext cx="2520280" cy="338554"/>
+          </a:xfrm>
+          <a:prstGeom prst="rect">
+            <a:avLst/>
+          </a:prstGeom>
+          <a:noFill/>
+        </p:spPr>
+        <p:txBody>
+          <a:bodyPr wrap="square" rtlCol="0">
+            <a:spAutoFit/>
+          </a:bodyPr>
+          <a:lstStyle/>
+          <a:p>
+            <a:r>
+              <a:rPr lang="es-PE" sz="1600" b="1" dirty="0" smtClean="0">
+                <a:solidFill>
+                  <a:schemeClr val="tx2"/>
+                </a:solidFill>
+                <a:effectLst>
+                  <a:outerShdw blurRad="38100" dist="38100" dir="2700000" algn="tl">
+                    <a:srgbClr val="000000">
+                      <a:alpha val="43137"/>
+                    </a:srgbClr>
+                  </a:outerShdw>
+                </a:effectLst>
+              </a:rPr>
+              <a:t>Leyenda</a:t>
+            </a:r>
           </a:p>
         </p:txBody>
       </p:sp>
@@ -30639,7 +30985,7 @@
         <p:spPr>
           <a:xfrm>
             <a:off x="2405519" y="3897052"/>
-            <a:ext cx="2232248" cy="720080"/>
+            <a:ext cx="2232248" cy="1116124"/>
           </a:xfrm>
           <a:prstGeom prst="rect">
             <a:avLst/>
@@ -30674,14 +31020,55 @@
               <a:buChar char="ü"/>
             </a:pPr>
             <a:r>
-              <a:rPr lang="es-PE" sz="2000" dirty="0" smtClean="0">
+              <a:rPr lang="es-PE" dirty="0" smtClean="0">
                 <a:solidFill>
                   <a:schemeClr val="tx1"/>
                 </a:solidFill>
               </a:rPr>
-              <a:t>Compra de bienes y servicios</a:t>
+              <a:t>Compra de </a:t>
             </a:r>
-            <a:endParaRPr lang="es-PE" sz="2000" dirty="0">
+            <a:r>
+              <a:rPr lang="es-PE" dirty="0" smtClean="0">
+                <a:solidFill>
+                  <a:schemeClr val="tx1"/>
+                </a:solidFill>
+              </a:rPr>
+              <a:t>productos </a:t>
+            </a:r>
+            <a:r>
+              <a:rPr lang="es-PE" dirty="0" smtClean="0">
+                <a:solidFill>
+                  <a:schemeClr val="tx1"/>
+                </a:solidFill>
+              </a:rPr>
+              <a:t>y servicios</a:t>
+            </a:r>
+          </a:p>
+          <a:p>
+            <a:pPr>
+              <a:buFont typeface="Wingdings" pitchFamily="2" charset="2"/>
+              <a:buChar char="ü"/>
+            </a:pPr>
+            <a:r>
+              <a:rPr lang="es-PE" dirty="0" smtClean="0">
+                <a:solidFill>
+                  <a:schemeClr val="tx1"/>
+                </a:solidFill>
+              </a:rPr>
+              <a:t>Gestión de contratos de bienes, maquinarias y equipos</a:t>
+            </a:r>
+            <a:endParaRPr lang="es-PE" dirty="0" smtClean="0">
+              <a:solidFill>
+                <a:schemeClr val="tx1"/>
+              </a:solidFill>
+            </a:endParaRPr>
+          </a:p>
+          <a:p>
+            <a:pPr>
+              <a:buFont typeface="Wingdings" pitchFamily="2" charset="2"/>
+              <a:buChar char="ü"/>
+            </a:pPr>
+            <a:endParaRPr lang="es-PE" dirty="0">
               <a:solidFill>
                 <a:schemeClr val="tx1"/>
               </a:solidFill>
@@ -30785,7 +31172,16 @@
           <a:prstGeom prst="rect">
             <a:avLst/>
           </a:prstGeom>
-          <a:noFill/>
+          <a:ln>
+            <a:noFill/>
+          </a:ln>
+          <a:effectLst>
+            <a:outerShdw blurRad="292100" dist="139700" dir="2700000" algn="tl" rotWithShape="0">
+              <a:srgbClr val="333333">
+                <a:alpha val="65000"/>
+              </a:srgbClr>
+            </a:outerShdw>
+          </a:effectLst>
         </p:spPr>
       </p:pic>
       <p:sp>
@@ -30887,7 +31283,21 @@
                   <a:schemeClr val="tx1"/>
                 </a:solidFill>
               </a:rPr>
-              <a:t>Abastecimiento</a:t>
+              <a:t>Abastecimiento interno</a:t>
+            </a:r>
+          </a:p>
+          <a:p>
+            <a:pPr>
+              <a:buFont typeface="Wingdings" pitchFamily="2" charset="2"/>
+              <a:buChar char="ü"/>
+            </a:pPr>
+            <a:r>
+              <a:rPr lang="es-PE" sz="2000" dirty="0" smtClean="0">
+                <a:solidFill>
+                  <a:schemeClr val="tx1"/>
+                </a:solidFill>
+              </a:rPr>
+              <a:t>Transporte de productos finales según demanda</a:t>
             </a:r>
             <a:endParaRPr lang="es-PE" sz="2000" dirty="0">
               <a:solidFill>
@@ -30936,6 +31346,16 @@
           <a:prstGeom prst="rect">
             <a:avLst/>
           </a:prstGeom>
+          <a:ln>
+            <a:noFill/>
+          </a:ln>
+          <a:effectLst>
+            <a:outerShdw blurRad="292100" dist="139700" dir="2700000" algn="tl" rotWithShape="0">
+              <a:srgbClr val="333333">
+                <a:alpha val="65000"/>
+              </a:srgbClr>
+            </a:outerShdw>
+          </a:effectLst>
         </p:spPr>
       </p:pic>
       <p:pic>
@@ -30960,12 +31380,22 @@
         </p:blipFill>
         <p:spPr>
           <a:xfrm>
-            <a:off x="467545" y="2151323"/>
-            <a:ext cx="1487016" cy="1099594"/>
+            <a:off x="343995" y="2071214"/>
+            <a:ext cx="1759266" cy="1300913"/>
           </a:xfrm>
           <a:prstGeom prst="rect">
             <a:avLst/>
           </a:prstGeom>
+          <a:ln>
+            <a:noFill/>
+          </a:ln>
+          <a:effectLst>
+            <a:outerShdw blurRad="292100" dist="139700" dir="2700000" algn="tl" rotWithShape="0">
+              <a:srgbClr val="333333">
+                <a:alpha val="65000"/>
+              </a:srgbClr>
+            </a:outerShdw>
+          </a:effectLst>
         </p:spPr>
       </p:pic>
       <p:pic>
@@ -30990,12 +31420,22 @@
         </p:blipFill>
         <p:spPr>
           <a:xfrm>
-            <a:off x="2771800" y="2151323"/>
-            <a:ext cx="1380964" cy="1341094"/>
+            <a:off x="2676786" y="1704782"/>
+            <a:ext cx="1546893" cy="1502232"/>
           </a:xfrm>
           <a:prstGeom prst="rect">
             <a:avLst/>
           </a:prstGeom>
+          <a:ln>
+            <a:noFill/>
+          </a:ln>
+          <a:effectLst>
+            <a:outerShdw blurRad="292100" dist="139700" dir="2700000" algn="tl" rotWithShape="0">
+              <a:srgbClr val="333333">
+                <a:alpha val="65000"/>
+              </a:srgbClr>
+            </a:outerShdw>
+          </a:effectLst>
         </p:spPr>
       </p:pic>
     </p:spTree>
@@ -31166,8 +31606,13 @@
           <a:p>
             <a:r>
               <a:rPr lang="es-PE" sz="2400" b="1" dirty="0" smtClean="0"/>
-              <a:t>2. Gestión  Logística</a:t>
+              <a:t>2. Gestión  </a:t>
             </a:r>
+            <a:r>
+              <a:rPr lang="es-PE" sz="2400" b="1" dirty="0" smtClean="0"/>
+              <a:t>Logística - Problemática</a:t>
+            </a:r>
+            <a:endParaRPr lang="es-PE" sz="2400" b="1" dirty="0" smtClean="0"/>
           </a:p>
         </p:txBody>
       </p:sp>
@@ -31251,7 +31696,31 @@
                   <a:schemeClr val="tx1"/>
                 </a:solidFill>
               </a:rPr>
-              <a:t> Proveedores que  cumplan con las expectativas de un buen servicio</a:t>
+              <a:t> Proveedores </a:t>
+            </a:r>
+            <a:r>
+              <a:rPr lang="es-PE" sz="1600" dirty="0" smtClean="0">
+                <a:solidFill>
+                  <a:schemeClr val="tx1"/>
+                </a:solidFill>
+              </a:rPr>
+              <a:t>no cumplen </a:t>
+            </a:r>
+            <a:r>
+              <a:rPr lang="es-PE" sz="1600" dirty="0" smtClean="0">
+                <a:solidFill>
+                  <a:schemeClr val="tx1"/>
+                </a:solidFill>
+              </a:rPr>
+              <a:t>con las </a:t>
+            </a:r>
+            <a:r>
+              <a:rPr lang="es-PE" sz="1600" dirty="0" smtClean="0">
+                <a:solidFill>
+                  <a:schemeClr val="tx1"/>
+                </a:solidFill>
+              </a:rPr>
+              <a:t>expectativas necesarias</a:t>
             </a:r>
           </a:p>
           <a:p>
@@ -31268,39 +31737,7 @@
                   <a:schemeClr val="tx1"/>
                 </a:solidFill>
               </a:rPr>
-              <a:t> Bienes comprados </a:t>
-            </a:r>
-            <a:r>
-              <a:rPr lang="es-PE" sz="1600" dirty="0" smtClean="0">
-                <a:solidFill>
-                  <a:schemeClr val="tx1"/>
-                </a:solidFill>
-              </a:rPr>
-              <a:t>y contratos realizados de </a:t>
-            </a:r>
-            <a:r>
-              <a:rPr lang="es-PE" sz="1600" dirty="0" smtClean="0">
-                <a:solidFill>
-                  <a:schemeClr val="tx1"/>
-                </a:solidFill>
-              </a:rPr>
-              <a:t>forma oportuna, respetando términos </a:t>
-            </a:r>
-            <a:r>
-              <a:rPr lang="es-PE" sz="1600" dirty="0" smtClean="0">
-                <a:solidFill>
-                  <a:schemeClr val="tx1"/>
-                </a:solidFill>
-              </a:rPr>
-              <a:t>ambientales, legales y de </a:t>
-            </a:r>
-            <a:r>
-              <a:rPr lang="es-PE" sz="1600" dirty="0" smtClean="0">
-                <a:solidFill>
-                  <a:schemeClr val="tx1"/>
-                </a:solidFill>
-              </a:rPr>
-              <a:t>calidad.</a:t>
+              <a:t> Bienes comprados y contratos realizados de forma no oportuna.</a:t>
             </a:r>
           </a:p>
           <a:p>
@@ -31317,7 +31754,39 @@
                   <a:schemeClr val="tx1"/>
                 </a:solidFill>
               </a:rPr>
-              <a:t> Abastecimiento interno de productos adecuados en un tiempo oportuno</a:t>
+              <a:t> Abastecimiento </a:t>
+            </a:r>
+            <a:r>
+              <a:rPr lang="es-PE" sz="1600" dirty="0" smtClean="0">
+                <a:solidFill>
+                  <a:schemeClr val="tx1"/>
+                </a:solidFill>
+              </a:rPr>
+              <a:t>interno de productos </a:t>
+            </a:r>
+            <a:r>
+              <a:rPr lang="es-PE" sz="1600" dirty="0" smtClean="0">
+                <a:solidFill>
+                  <a:schemeClr val="tx1"/>
+                </a:solidFill>
+              </a:rPr>
+              <a:t>en </a:t>
+            </a:r>
+            <a:r>
+              <a:rPr lang="es-PE" sz="1600" dirty="0" smtClean="0">
+                <a:solidFill>
+                  <a:schemeClr val="tx1"/>
+                </a:solidFill>
+              </a:rPr>
+              <a:t>un tiempo </a:t>
+            </a:r>
+            <a:r>
+              <a:rPr lang="es-PE" sz="1600" dirty="0" smtClean="0">
+                <a:solidFill>
+                  <a:schemeClr val="tx1"/>
+                </a:solidFill>
+              </a:rPr>
+              <a:t>no oportuno</a:t>
             </a:r>
           </a:p>
           <a:p>
@@ -31334,7 +31803,31 @@
                   <a:schemeClr val="tx1"/>
                 </a:solidFill>
               </a:rPr>
-              <a:t> Control eficiente del transporte de productos finales al destino de almacenes o cliente</a:t>
+              <a:t> </a:t>
+            </a:r>
+            <a:r>
+              <a:rPr lang="es-PE" sz="1600" dirty="0" smtClean="0">
+                <a:solidFill>
+                  <a:schemeClr val="tx1"/>
+                </a:solidFill>
+              </a:rPr>
+              <a:t>Control </a:t>
+            </a:r>
+            <a:r>
+              <a:rPr lang="es-PE" sz="1600" dirty="0" smtClean="0">
+                <a:solidFill>
+                  <a:schemeClr val="tx1"/>
+                </a:solidFill>
+              </a:rPr>
+              <a:t>ineficiente </a:t>
+            </a:r>
+            <a:r>
+              <a:rPr lang="es-PE" sz="1600" dirty="0" smtClean="0">
+                <a:solidFill>
+                  <a:schemeClr val="tx1"/>
+                </a:solidFill>
+              </a:rPr>
+              <a:t>de entradas y salidas de productos en los almacenes</a:t>
             </a:r>
           </a:p>
           <a:p>
@@ -31351,24 +31844,23 @@
                   <a:schemeClr val="tx1"/>
                 </a:solidFill>
               </a:rPr>
-              <a:t> Control eficiente de entradas y salidas de productos en los almacenes</a:t>
+              <a:t>Administración </a:t>
             </a:r>
-          </a:p>
-          <a:p>
-            <a:pPr algn="just">
-              <a:lnSpc>
-                <a:spcPct val="150000"/>
-              </a:lnSpc>
-              <a:buFont typeface="Wingdings" pitchFamily="2" charset="2"/>
-              <a:buChar char="ü"/>
-            </a:pPr>
             <a:r>
               <a:rPr lang="es-PE" sz="1600" dirty="0" smtClean="0">
                 <a:solidFill>
                   <a:schemeClr val="tx1"/>
                 </a:solidFill>
               </a:rPr>
-              <a:t>Administración adecuada de proveedores relacionados a productos</a:t>
+              <a:t>inadecuada </a:t>
+            </a:r>
+            <a:r>
+              <a:rPr lang="es-PE" sz="1600" dirty="0" smtClean="0">
+                <a:solidFill>
+                  <a:schemeClr val="tx1"/>
+                </a:solidFill>
+              </a:rPr>
+              <a:t>de proveedores relacionados a productos</a:t>
             </a:r>
           </a:p>
           <a:p>
@@ -33109,13 +33601,13 @@
         </p:spPr>
         <p:style>
           <a:lnRef idx="0">
-            <a:schemeClr val="accent3"/>
+            <a:schemeClr val="accent4"/>
           </a:lnRef>
           <a:fillRef idx="3">
-            <a:schemeClr val="accent3"/>
+            <a:schemeClr val="accent4"/>
           </a:fillRef>
           <a:effectRef idx="3">
-            <a:schemeClr val="accent3"/>
+            <a:schemeClr val="accent4"/>
           </a:effectRef>
           <a:fontRef idx="minor">
             <a:schemeClr val="lt1"/>
@@ -33366,13 +33858,13 @@
         </p:spPr>
         <p:style>
           <a:lnRef idx="0">
-            <a:schemeClr val="accent3"/>
+            <a:schemeClr val="accent4"/>
           </a:lnRef>
           <a:fillRef idx="3">
-            <a:schemeClr val="accent3"/>
+            <a:schemeClr val="accent4"/>
           </a:fillRef>
           <a:effectRef idx="3">
-            <a:schemeClr val="accent3"/>
+            <a:schemeClr val="accent4"/>
           </a:effectRef>
           <a:fontRef idx="minor">
             <a:schemeClr val="lt1"/>
@@ -33620,13 +34112,13 @@
         </p:spPr>
         <p:style>
           <a:lnRef idx="0">
-            <a:schemeClr val="accent3"/>
+            <a:schemeClr val="accent4"/>
           </a:lnRef>
           <a:fillRef idx="3">
-            <a:schemeClr val="accent3"/>
+            <a:schemeClr val="accent4"/>
           </a:fillRef>
           <a:effectRef idx="3">
-            <a:schemeClr val="accent3"/>
+            <a:schemeClr val="accent4"/>
           </a:effectRef>
           <a:fontRef idx="minor">
             <a:schemeClr val="lt1"/>
@@ -33676,6 +34168,352 @@
           <a:p>
             <a:pPr algn="ctr"/>
             <a:endParaRPr lang="es-PE"/>
+          </a:p>
+        </p:txBody>
+      </p:sp>
+      <p:sp>
+        <p:nvSpPr>
+          <p:cNvPr id="50" name="49 CuadroTexto"/>
+          <p:cNvSpPr txBox="1"/>
+          <p:nvPr/>
+        </p:nvSpPr>
+        <p:spPr>
+          <a:xfrm>
+            <a:off x="4582880" y="5399928"/>
+            <a:ext cx="2520280" cy="738664"/>
+          </a:xfrm>
+          <a:prstGeom prst="rect">
+            <a:avLst/>
+          </a:prstGeom>
+          <a:noFill/>
+        </p:spPr>
+        <p:txBody>
+          <a:bodyPr wrap="square" rtlCol="0">
+            <a:spAutoFit/>
+          </a:bodyPr>
+          <a:lstStyle/>
+          <a:p>
+            <a:r>
+              <a:rPr lang="es-PE" sz="1400" dirty="0" smtClean="0"/>
+              <a:t>Impacto alto</a:t>
+            </a:r>
+          </a:p>
+          <a:p>
+            <a:r>
+              <a:rPr lang="es-PE" sz="1400" dirty="0" smtClean="0"/>
+              <a:t>Impacto medio</a:t>
+            </a:r>
+          </a:p>
+          <a:p>
+            <a:r>
+              <a:rPr lang="es-PE" sz="1400" dirty="0" smtClean="0"/>
+              <a:t>Impacto bajo</a:t>
+            </a:r>
+          </a:p>
+        </p:txBody>
+      </p:sp>
+      <p:sp>
+        <p:nvSpPr>
+          <p:cNvPr id="51" name="50 Elipse"/>
+          <p:cNvSpPr/>
+          <p:nvPr/>
+        </p:nvSpPr>
+        <p:spPr>
+          <a:xfrm>
+            <a:off x="4229125" y="5387218"/>
+            <a:ext cx="216024" cy="216024"/>
+          </a:xfrm>
+          <a:prstGeom prst="ellipse">
+            <a:avLst/>
+          </a:prstGeom>
+        </p:spPr>
+        <p:style>
+          <a:lnRef idx="0">
+            <a:schemeClr val="accent2"/>
+          </a:lnRef>
+          <a:fillRef idx="3">
+            <a:schemeClr val="accent2"/>
+          </a:fillRef>
+          <a:effectRef idx="3">
+            <a:schemeClr val="accent2"/>
+          </a:effectRef>
+          <a:fontRef idx="minor">
+            <a:schemeClr val="lt1"/>
+          </a:fontRef>
+        </p:style>
+        <p:txBody>
+          <a:bodyPr rtlCol="0" anchor="ctr"/>
+          <a:lstStyle/>
+          <a:p>
+            <a:pPr algn="ctr"/>
+            <a:endParaRPr lang="es-PE"/>
+          </a:p>
+        </p:txBody>
+      </p:sp>
+      <p:sp>
+        <p:nvSpPr>
+          <p:cNvPr id="52" name="51 Elipse"/>
+          <p:cNvSpPr/>
+          <p:nvPr/>
+        </p:nvSpPr>
+        <p:spPr>
+          <a:xfrm>
+            <a:off x="4229125" y="5648538"/>
+            <a:ext cx="216024" cy="216024"/>
+          </a:xfrm>
+          <a:prstGeom prst="ellipse">
+            <a:avLst/>
+          </a:prstGeom>
+        </p:spPr>
+        <p:style>
+          <a:lnRef idx="0">
+            <a:schemeClr val="accent6"/>
+          </a:lnRef>
+          <a:fillRef idx="3">
+            <a:schemeClr val="accent6"/>
+          </a:fillRef>
+          <a:effectRef idx="3">
+            <a:schemeClr val="accent6"/>
+          </a:effectRef>
+          <a:fontRef idx="minor">
+            <a:schemeClr val="lt1"/>
+          </a:fontRef>
+        </p:style>
+        <p:txBody>
+          <a:bodyPr rtlCol="0" anchor="ctr"/>
+          <a:lstStyle/>
+          <a:p>
+            <a:pPr algn="ctr"/>
+            <a:endParaRPr lang="es-PE"/>
+          </a:p>
+        </p:txBody>
+      </p:sp>
+      <p:sp>
+        <p:nvSpPr>
+          <p:cNvPr id="53" name="52 Elipse"/>
+          <p:cNvSpPr/>
+          <p:nvPr/>
+        </p:nvSpPr>
+        <p:spPr>
+          <a:xfrm>
+            <a:off x="7053106" y="5459630"/>
+            <a:ext cx="216024" cy="216024"/>
+          </a:xfrm>
+          <a:prstGeom prst="ellipse">
+            <a:avLst/>
+          </a:prstGeom>
+        </p:spPr>
+        <p:style>
+          <a:lnRef idx="0">
+            <a:schemeClr val="accent4"/>
+          </a:lnRef>
+          <a:fillRef idx="3">
+            <a:schemeClr val="accent4"/>
+          </a:fillRef>
+          <a:effectRef idx="3">
+            <a:schemeClr val="accent4"/>
+          </a:effectRef>
+          <a:fontRef idx="minor">
+            <a:schemeClr val="lt1"/>
+          </a:fontRef>
+        </p:style>
+        <p:txBody>
+          <a:bodyPr rtlCol="0" anchor="ctr"/>
+          <a:lstStyle/>
+          <a:p>
+            <a:pPr algn="ctr"/>
+            <a:endParaRPr lang="es-PE"/>
+          </a:p>
+        </p:txBody>
+      </p:sp>
+      <p:sp>
+        <p:nvSpPr>
+          <p:cNvPr id="54" name="53 Elipse"/>
+          <p:cNvSpPr/>
+          <p:nvPr/>
+        </p:nvSpPr>
+        <p:spPr>
+          <a:xfrm>
+            <a:off x="7053106" y="5721240"/>
+            <a:ext cx="216024" cy="216024"/>
+          </a:xfrm>
+          <a:prstGeom prst="ellipse">
+            <a:avLst/>
+          </a:prstGeom>
+        </p:spPr>
+        <p:style>
+          <a:lnRef idx="0">
+            <a:schemeClr val="accent3"/>
+          </a:lnRef>
+          <a:fillRef idx="3">
+            <a:schemeClr val="accent3"/>
+          </a:fillRef>
+          <a:effectRef idx="3">
+            <a:schemeClr val="accent3"/>
+          </a:effectRef>
+          <a:fontRef idx="minor">
+            <a:schemeClr val="lt1"/>
+          </a:fontRef>
+        </p:style>
+        <p:txBody>
+          <a:bodyPr rtlCol="0" anchor="ctr"/>
+          <a:lstStyle/>
+          <a:p>
+            <a:pPr algn="ctr"/>
+            <a:endParaRPr lang="es-PE"/>
+          </a:p>
+        </p:txBody>
+      </p:sp>
+      <p:sp>
+        <p:nvSpPr>
+          <p:cNvPr id="55" name="54 Elipse"/>
+          <p:cNvSpPr/>
+          <p:nvPr/>
+        </p:nvSpPr>
+        <p:spPr>
+          <a:xfrm>
+            <a:off x="4232492" y="5922568"/>
+            <a:ext cx="216024" cy="216024"/>
+          </a:xfrm>
+          <a:prstGeom prst="ellipse">
+            <a:avLst/>
+          </a:prstGeom>
+        </p:spPr>
+        <p:style>
+          <a:lnRef idx="0">
+            <a:schemeClr val="accent1"/>
+          </a:lnRef>
+          <a:fillRef idx="3">
+            <a:schemeClr val="accent1"/>
+          </a:fillRef>
+          <a:effectRef idx="3">
+            <a:schemeClr val="accent1"/>
+          </a:effectRef>
+          <a:fontRef idx="minor">
+            <a:schemeClr val="lt1"/>
+          </a:fontRef>
+        </p:style>
+        <p:txBody>
+          <a:bodyPr rtlCol="0" anchor="ctr"/>
+          <a:lstStyle/>
+          <a:p>
+            <a:pPr algn="ctr"/>
+            <a:endParaRPr lang="es-PE"/>
+          </a:p>
+        </p:txBody>
+      </p:sp>
+      <p:sp>
+        <p:nvSpPr>
+          <p:cNvPr id="56" name="55 Rectángulo redondeado"/>
+          <p:cNvSpPr/>
+          <p:nvPr/>
+        </p:nvSpPr>
+        <p:spPr>
+          <a:xfrm>
+            <a:off x="4050005" y="5274496"/>
+            <a:ext cx="4410427" cy="1034824"/>
+          </a:xfrm>
+          <a:prstGeom prst="roundRect">
+            <a:avLst/>
+          </a:prstGeom>
+          <a:noFill/>
+          <a:ln/>
+        </p:spPr>
+        <p:style>
+          <a:lnRef idx="2">
+            <a:schemeClr val="accent1"/>
+          </a:lnRef>
+          <a:fillRef idx="1">
+            <a:schemeClr val="lt1"/>
+          </a:fillRef>
+          <a:effectRef idx="0">
+            <a:schemeClr val="accent1"/>
+          </a:effectRef>
+          <a:fontRef idx="minor">
+            <a:schemeClr val="dk1"/>
+          </a:fontRef>
+        </p:style>
+        <p:txBody>
+          <a:bodyPr rtlCol="0" anchor="ctr"/>
+          <a:lstStyle/>
+          <a:p>
+            <a:pPr algn="ctr"/>
+            <a:endParaRPr lang="es-PE"/>
+          </a:p>
+        </p:txBody>
+      </p:sp>
+      <p:sp>
+        <p:nvSpPr>
+          <p:cNvPr id="57" name="56 CuadroTexto"/>
+          <p:cNvSpPr txBox="1"/>
+          <p:nvPr/>
+        </p:nvSpPr>
+        <p:spPr>
+          <a:xfrm>
+            <a:off x="7236296" y="5426060"/>
+            <a:ext cx="2520280" cy="523220"/>
+          </a:xfrm>
+          <a:prstGeom prst="rect">
+            <a:avLst/>
+          </a:prstGeom>
+          <a:noFill/>
+        </p:spPr>
+        <p:txBody>
+          <a:bodyPr wrap="square" rtlCol="0">
+            <a:spAutoFit/>
+          </a:bodyPr>
+          <a:lstStyle/>
+          <a:p>
+            <a:r>
+              <a:rPr lang="es-PE" sz="1400" dirty="0" smtClean="0"/>
+              <a:t>No ocurrido</a:t>
+            </a:r>
+          </a:p>
+          <a:p>
+            <a:r>
+              <a:rPr lang="es-PE" sz="1400" dirty="0" smtClean="0"/>
+              <a:t>Ocurrido</a:t>
+            </a:r>
+          </a:p>
+        </p:txBody>
+      </p:sp>
+      <p:sp>
+        <p:nvSpPr>
+          <p:cNvPr id="58" name="57 CuadroTexto"/>
+          <p:cNvSpPr txBox="1"/>
+          <p:nvPr/>
+        </p:nvSpPr>
+        <p:spPr>
+          <a:xfrm>
+            <a:off x="2968985" y="5495230"/>
+            <a:ext cx="2520280" cy="338554"/>
+          </a:xfrm>
+          <a:prstGeom prst="rect">
+            <a:avLst/>
+          </a:prstGeom>
+          <a:noFill/>
+        </p:spPr>
+        <p:txBody>
+          <a:bodyPr wrap="square" rtlCol="0">
+            <a:spAutoFit/>
+          </a:bodyPr>
+          <a:lstStyle/>
+          <a:p>
+            <a:r>
+              <a:rPr lang="es-PE" sz="1600" b="1" dirty="0" smtClean="0">
+                <a:solidFill>
+                  <a:schemeClr val="tx2"/>
+                </a:solidFill>
+                <a:effectLst>
+                  <a:outerShdw blurRad="38100" dist="38100" dir="2700000" algn="tl">
+                    <a:srgbClr val="000000">
+                      <a:alpha val="43137"/>
+                    </a:srgbClr>
+                  </a:outerShdw>
+                </a:effectLst>
+              </a:rPr>
+              <a:t>Leyenda</a:t>
+            </a:r>
           </a:p>
         </p:txBody>
       </p:sp>
